--- a/Factory_Pattern/kum/팩토리 메소드 ppt.pptx
+++ b/Factory_Pattern/kum/팩토리 메소드 ppt.pptx
@@ -248,7 +248,7 @@
             <a:fld id="{87AF5D7C-13DD-4E03-A21D-693D00C088E4}" type="datetimeFigureOut">
               <a:rPr lang="ko-KR" altLang="en-US" smtClean="0"/>
               <a:pPr/>
-              <a:t>2019-12-04</a:t>
+              <a:t>2019-12-05</a:t>
             </a:fld>
             <a:endParaRPr lang="ko-KR" altLang="en-US"/>
           </a:p>
@@ -563,7 +563,7 @@
             <a:fld id="{87AF5D7C-13DD-4E03-A21D-693D00C088E4}" type="datetimeFigureOut">
               <a:rPr lang="ko-KR" altLang="en-US" smtClean="0"/>
               <a:pPr/>
-              <a:t>2019-12-04</a:t>
+              <a:t>2019-12-05</a:t>
             </a:fld>
             <a:endParaRPr lang="ko-KR" altLang="en-US"/>
           </a:p>
@@ -750,7 +750,7 @@
             <a:fld id="{87AF5D7C-13DD-4E03-A21D-693D00C088E4}" type="datetimeFigureOut">
               <a:rPr lang="ko-KR" altLang="en-US" smtClean="0"/>
               <a:pPr/>
-              <a:t>2019-12-04</a:t>
+              <a:t>2019-12-05</a:t>
             </a:fld>
             <a:endParaRPr lang="ko-KR" altLang="en-US"/>
           </a:p>
@@ -927,7 +927,7 @@
             <a:fld id="{87AF5D7C-13DD-4E03-A21D-693D00C088E4}" type="datetimeFigureOut">
               <a:rPr lang="ko-KR" altLang="en-US" smtClean="0"/>
               <a:pPr/>
-              <a:t>2019-12-04</a:t>
+              <a:t>2019-12-05</a:t>
             </a:fld>
             <a:endParaRPr lang="ko-KR" altLang="en-US"/>
           </a:p>
@@ -1197,7 +1197,7 @@
             <a:fld id="{87AF5D7C-13DD-4E03-A21D-693D00C088E4}" type="datetimeFigureOut">
               <a:rPr lang="ko-KR" altLang="en-US" smtClean="0"/>
               <a:pPr/>
-              <a:t>2019-12-04</a:t>
+              <a:t>2019-12-05</a:t>
             </a:fld>
             <a:endParaRPr lang="ko-KR" altLang="en-US"/>
           </a:p>
@@ -1667,7 +1667,7 @@
             <a:fld id="{87AF5D7C-13DD-4E03-A21D-693D00C088E4}" type="datetimeFigureOut">
               <a:rPr lang="ko-KR" altLang="en-US" smtClean="0"/>
               <a:pPr/>
-              <a:t>2019-12-04</a:t>
+              <a:t>2019-12-05</a:t>
             </a:fld>
             <a:endParaRPr lang="ko-KR" altLang="en-US"/>
           </a:p>
@@ -2158,7 +2158,7 @@
             <a:fld id="{87AF5D7C-13DD-4E03-A21D-693D00C088E4}" type="datetimeFigureOut">
               <a:rPr lang="ko-KR" altLang="en-US" smtClean="0"/>
               <a:pPr/>
-              <a:t>2019-12-04</a:t>
+              <a:t>2019-12-05</a:t>
             </a:fld>
             <a:endParaRPr lang="ko-KR" altLang="en-US"/>
           </a:p>
@@ -2286,7 +2286,7 @@
             <a:fld id="{87AF5D7C-13DD-4E03-A21D-693D00C088E4}" type="datetimeFigureOut">
               <a:rPr lang="ko-KR" altLang="en-US" smtClean="0"/>
               <a:pPr/>
-              <a:t>2019-12-04</a:t>
+              <a:t>2019-12-05</a:t>
             </a:fld>
             <a:endParaRPr lang="ko-KR" altLang="en-US"/>
           </a:p>
@@ -2432,7 +2432,7 @@
             <a:fld id="{87AF5D7C-13DD-4E03-A21D-693D00C088E4}" type="datetimeFigureOut">
               <a:rPr lang="ko-KR" altLang="en-US" smtClean="0"/>
               <a:pPr/>
-              <a:t>2019-12-04</a:t>
+              <a:t>2019-12-05</a:t>
             </a:fld>
             <a:endParaRPr lang="ko-KR" altLang="en-US"/>
           </a:p>
@@ -2756,7 +2756,7 @@
             <a:fld id="{87AF5D7C-13DD-4E03-A21D-693D00C088E4}" type="datetimeFigureOut">
               <a:rPr lang="ko-KR" altLang="en-US" smtClean="0"/>
               <a:pPr/>
-              <a:t>2019-12-04</a:t>
+              <a:t>2019-12-05</a:t>
             </a:fld>
             <a:endParaRPr lang="ko-KR" altLang="en-US"/>
           </a:p>
@@ -2892,7 +2892,7 @@
             <a:fld id="{87AF5D7C-13DD-4E03-A21D-693D00C088E4}" type="datetimeFigureOut">
               <a:rPr lang="ko-KR" altLang="en-US" smtClean="0"/>
               <a:pPr/>
-              <a:t>2019-12-04</a:t>
+              <a:t>2019-12-05</a:t>
             </a:fld>
             <a:endParaRPr lang="ko-KR" altLang="en-US"/>
           </a:p>
@@ -3675,7 +3675,7 @@
             <a:fld id="{87AF5D7C-13DD-4E03-A21D-693D00C088E4}" type="datetimeFigureOut">
               <a:rPr lang="ko-KR" altLang="en-US" smtClean="0"/>
               <a:pPr/>
-              <a:t>2019-12-04</a:t>
+              <a:t>2019-12-05</a:t>
             </a:fld>
             <a:endParaRPr lang="ko-KR" altLang="en-US"/>
           </a:p>
@@ -4652,78 +4652,41 @@
           </a:p>
         </p:txBody>
       </p:sp>
-      <p:sp>
-        <p:nvSpPr>
-          <p:cNvPr id="3" name="내용 개체 틀 2"/>
-          <p:cNvSpPr>
-            <a:spLocks noGrp="1"/>
-          </p:cNvSpPr>
+      <p:pic>
+        <p:nvPicPr>
+          <p:cNvPr id="4098" name="Picture 2"/>
+          <p:cNvPicPr>
+            <a:picLocks noGrp="1" noChangeAspect="1" noChangeArrowheads="1"/>
+          </p:cNvPicPr>
           <p:nvPr>
             <p:ph idx="1"/>
           </p:nvPr>
-        </p:nvSpPr>
-        <p:spPr/>
-        <p:txBody>
-          <a:bodyPr>
-            <a:normAutofit/>
-          </a:bodyPr>
-          <a:lstStyle/>
-          <a:p>
-            <a:r>
-              <a:rPr lang="en-US" altLang="ko-KR" sz="1800" dirty="0" smtClean="0"/>
-              <a:t>package </a:t>
-            </a:r>
-            <a:r>
-              <a:rPr lang="en-US" altLang="ko-KR" sz="1800" dirty="0" err="1" smtClean="0"/>
-              <a:t>patton</a:t>
-            </a:r>
-            <a:r>
-              <a:rPr lang="en-US" altLang="ko-KR" sz="1800" dirty="0" smtClean="0"/>
-              <a:t>;</a:t>
-            </a:r>
-          </a:p>
-          <a:p>
-            <a:endParaRPr lang="ko-KR" altLang="en-US" sz="1800" dirty="0" smtClean="0"/>
-          </a:p>
-          <a:p>
-            <a:r>
-              <a:rPr lang="en-US" altLang="ko-KR" sz="1800" dirty="0" smtClean="0"/>
-              <a:t>public abstract class </a:t>
-            </a:r>
-            <a:r>
-              <a:rPr lang="en-US" altLang="ko-KR" sz="1800" dirty="0" err="1" smtClean="0"/>
-              <a:t>CarBrand</a:t>
-            </a:r>
-            <a:r>
-              <a:rPr lang="en-US" altLang="ko-KR" sz="1800" dirty="0" smtClean="0"/>
-              <a:t> {</a:t>
-            </a:r>
-          </a:p>
-          <a:p>
-            <a:r>
-              <a:rPr lang="en-US" altLang="ko-KR" sz="1800" dirty="0" smtClean="0"/>
-              <a:t>public abstract String </a:t>
-            </a:r>
-            <a:r>
-              <a:rPr lang="en-US" altLang="ko-KR" sz="1800" dirty="0" err="1" smtClean="0"/>
-              <a:t>getName</a:t>
-            </a:r>
-            <a:r>
-              <a:rPr lang="en-US" altLang="ko-KR" sz="1800" dirty="0" smtClean="0"/>
-              <a:t>();</a:t>
-            </a:r>
-          </a:p>
-          <a:p>
-            <a:endParaRPr lang="ko-KR" altLang="en-US" sz="1800" dirty="0" smtClean="0"/>
-          </a:p>
-          <a:p>
-            <a:r>
-              <a:rPr lang="en-US" altLang="ko-KR" sz="1800" dirty="0" smtClean="0"/>
-              <a:t>}</a:t>
-            </a:r>
-          </a:p>
-        </p:txBody>
-      </p:sp>
+        </p:nvPicPr>
+        <p:blipFill>
+          <a:blip r:embed="rId2"/>
+          <a:srcRect/>
+          <a:stretch>
+            <a:fillRect/>
+          </a:stretch>
+        </p:blipFill>
+        <p:spPr bwMode="auto">
+          <a:xfrm>
+            <a:off x="1571604" y="2000240"/>
+            <a:ext cx="5214974" cy="2151177"/>
+          </a:xfrm>
+          <a:prstGeom prst="rect">
+            <a:avLst/>
+          </a:prstGeom>
+          <a:noFill/>
+          <a:ln w="9525">
+            <a:noFill/>
+            <a:miter lim="800000"/>
+            <a:headEnd/>
+            <a:tailEnd/>
+          </a:ln>
+          <a:effectLst/>
+        </p:spPr>
+      </p:pic>
     </p:spTree>
   </p:cSld>
   <p:clrMapOvr>
@@ -4772,167 +4735,39 @@
           </a:p>
         </p:txBody>
       </p:sp>
-      <p:sp>
-        <p:nvSpPr>
-          <p:cNvPr id="4" name="TextBox 3"/>
-          <p:cNvSpPr txBox="1"/>
+      <p:pic>
+        <p:nvPicPr>
+          <p:cNvPr id="3074" name="Picture 2"/>
+          <p:cNvPicPr>
+            <a:picLocks noChangeAspect="1" noChangeArrowheads="1"/>
+          </p:cNvPicPr>
           <p:nvPr/>
-        </p:nvSpPr>
-        <p:spPr>
+        </p:nvPicPr>
+        <p:blipFill>
+          <a:blip r:embed="rId2"/>
+          <a:srcRect/>
+          <a:stretch>
+            <a:fillRect/>
+          </a:stretch>
+        </p:blipFill>
+        <p:spPr bwMode="auto">
           <a:xfrm>
-            <a:off x="1071538" y="1779687"/>
-            <a:ext cx="7143800" cy="4801314"/>
+            <a:off x="1428728" y="1928802"/>
+            <a:ext cx="6357982" cy="4265899"/>
           </a:xfrm>
           <a:prstGeom prst="rect">
             <a:avLst/>
           </a:prstGeom>
           <a:noFill/>
+          <a:ln w="9525">
+            <a:noFill/>
+            <a:miter lim="800000"/>
+            <a:headEnd/>
+            <a:tailEnd/>
+          </a:ln>
+          <a:effectLst/>
         </p:spPr>
-        <p:txBody>
-          <a:bodyPr wrap="square" rtlCol="0">
-            <a:spAutoFit/>
-          </a:bodyPr>
-          <a:lstStyle/>
-          <a:p>
-            <a:r>
-              <a:rPr lang="en-US" altLang="ko-KR" dirty="0" smtClean="0"/>
-              <a:t>package </a:t>
-            </a:r>
-            <a:r>
-              <a:rPr lang="en-US" altLang="ko-KR" dirty="0" err="1" smtClean="0"/>
-              <a:t>patton</a:t>
-            </a:r>
-            <a:r>
-              <a:rPr lang="en-US" altLang="ko-KR" dirty="0" smtClean="0"/>
-              <a:t>;</a:t>
-            </a:r>
-          </a:p>
-          <a:p>
-            <a:r>
-              <a:rPr lang="en-US" altLang="ko-KR" dirty="0" err="1" smtClean="0"/>
-              <a:t>enum</a:t>
-            </a:r>
-            <a:r>
-              <a:rPr lang="en-US" altLang="ko-KR" dirty="0" smtClean="0"/>
-              <a:t> </a:t>
-            </a:r>
-            <a:r>
-              <a:rPr lang="en-US" altLang="ko-KR" dirty="0" err="1" smtClean="0"/>
-              <a:t>CarNames</a:t>
-            </a:r>
-            <a:r>
-              <a:rPr lang="en-US" altLang="ko-KR" dirty="0" smtClean="0"/>
-              <a:t> {</a:t>
-            </a:r>
-          </a:p>
-          <a:p>
-            <a:r>
-              <a:rPr lang="en-US" altLang="ko-KR" dirty="0" smtClean="0"/>
-              <a:t>Kia , Hyundai , Samsung</a:t>
-            </a:r>
-          </a:p>
-          <a:p>
-            <a:r>
-              <a:rPr lang="en-US" altLang="ko-KR" dirty="0" smtClean="0"/>
-              <a:t>}</a:t>
-            </a:r>
-          </a:p>
-          <a:p>
-            <a:endParaRPr lang="ko-KR" altLang="en-US" dirty="0" smtClean="0"/>
-          </a:p>
-          <a:p>
-            <a:r>
-              <a:rPr lang="en-US" altLang="ko-KR" dirty="0" smtClean="0"/>
-              <a:t>public class CarFactory2 {</a:t>
-            </a:r>
-          </a:p>
-          <a:p>
-            <a:r>
-              <a:rPr lang="en-US" altLang="ko-KR" dirty="0" smtClean="0"/>
-              <a:t>public static </a:t>
-            </a:r>
-            <a:r>
-              <a:rPr lang="en-US" altLang="ko-KR" dirty="0" err="1" smtClean="0"/>
-              <a:t>CarBrand</a:t>
-            </a:r>
-            <a:r>
-              <a:rPr lang="en-US" altLang="ko-KR" dirty="0" smtClean="0"/>
-              <a:t> </a:t>
-            </a:r>
-            <a:r>
-              <a:rPr lang="en-US" altLang="ko-KR" dirty="0" err="1" smtClean="0"/>
-              <a:t>createCar</a:t>
-            </a:r>
-            <a:r>
-              <a:rPr lang="en-US" altLang="ko-KR" dirty="0" smtClean="0"/>
-              <a:t>(</a:t>
-            </a:r>
-            <a:r>
-              <a:rPr lang="en-US" altLang="ko-KR" dirty="0" err="1" smtClean="0"/>
-              <a:t>CarNames</a:t>
-            </a:r>
-            <a:r>
-              <a:rPr lang="en-US" altLang="ko-KR" dirty="0" smtClean="0"/>
-              <a:t> Car) {</a:t>
-            </a:r>
-          </a:p>
-          <a:p>
-            <a:r>
-              <a:rPr lang="en-US" altLang="ko-KR" dirty="0" smtClean="0"/>
-              <a:t>switch(Car) {</a:t>
-            </a:r>
-          </a:p>
-          <a:p>
-            <a:r>
-              <a:rPr lang="en-US" altLang="ko-KR" dirty="0" smtClean="0"/>
-              <a:t>case Kia : return new Kia();</a:t>
-            </a:r>
-          </a:p>
-          <a:p>
-            <a:r>
-              <a:rPr lang="en-US" altLang="ko-KR" dirty="0" smtClean="0"/>
-              <a:t>case Hyundai : return new Hyundai();</a:t>
-            </a:r>
-          </a:p>
-          <a:p>
-            <a:r>
-              <a:rPr lang="en-US" altLang="ko-KR" dirty="0" smtClean="0"/>
-              <a:t>case Samsung : return new Samsung();</a:t>
-            </a:r>
-          </a:p>
-          <a:p>
-            <a:r>
-              <a:rPr lang="en-US" altLang="ko-KR" dirty="0" smtClean="0"/>
-              <a:t>default : return null;</a:t>
-            </a:r>
-          </a:p>
-          <a:p>
-            <a:r>
-              <a:rPr lang="en-US" altLang="ko-KR" dirty="0" smtClean="0"/>
-              <a:t>}</a:t>
-            </a:r>
-          </a:p>
-          <a:p>
-            <a:endParaRPr lang="ko-KR" altLang="en-US" dirty="0" smtClean="0"/>
-          </a:p>
-          <a:p>
-            <a:endParaRPr lang="ko-KR" altLang="en-US" dirty="0" smtClean="0"/>
-          </a:p>
-          <a:p>
-            <a:r>
-              <a:rPr lang="en-US" altLang="ko-KR" dirty="0" smtClean="0"/>
-              <a:t>}</a:t>
-            </a:r>
-          </a:p>
-          <a:p>
-            <a:r>
-              <a:rPr lang="en-US" altLang="ko-KR" dirty="0" smtClean="0"/>
-              <a:t>}</a:t>
-            </a:r>
-            <a:endParaRPr lang="ko-KR" altLang="en-US" dirty="0"/>
-          </a:p>
-        </p:txBody>
-      </p:sp>
+      </p:pic>
     </p:spTree>
   </p:cSld>
   <p:clrMapOvr>
@@ -4981,119 +4816,41 @@
           </a:p>
         </p:txBody>
       </p:sp>
-      <p:sp>
-        <p:nvSpPr>
-          <p:cNvPr id="3" name="내용 개체 틀 2"/>
-          <p:cNvSpPr>
-            <a:spLocks noGrp="1"/>
-          </p:cNvSpPr>
+      <p:pic>
+        <p:nvPicPr>
+          <p:cNvPr id="2050" name="Picture 2"/>
+          <p:cNvPicPr>
+            <a:picLocks noGrp="1" noChangeAspect="1" noChangeArrowheads="1"/>
+          </p:cNvPicPr>
           <p:nvPr>
             <p:ph idx="1"/>
           </p:nvPr>
-        </p:nvSpPr>
-        <p:spPr/>
-        <p:txBody>
-          <a:bodyPr>
-            <a:normAutofit fontScale="77500" lnSpcReduction="20000"/>
-          </a:bodyPr>
-          <a:lstStyle/>
-          <a:p>
-            <a:r>
-              <a:rPr lang="en-US" altLang="ko-KR" dirty="0" smtClean="0"/>
-              <a:t>package </a:t>
-            </a:r>
-            <a:r>
-              <a:rPr lang="en-US" altLang="ko-KR" dirty="0" err="1" smtClean="0"/>
-              <a:t>patton</a:t>
-            </a:r>
-            <a:r>
-              <a:rPr lang="en-US" altLang="ko-KR" dirty="0" smtClean="0"/>
-              <a:t>;</a:t>
-            </a:r>
-          </a:p>
-          <a:p>
-            <a:endParaRPr lang="ko-KR" altLang="en-US" dirty="0" smtClean="0"/>
-          </a:p>
-          <a:p>
-            <a:r>
-              <a:rPr lang="en-US" altLang="ko-KR" dirty="0" smtClean="0"/>
-              <a:t>public class Hyundai extends </a:t>
-            </a:r>
-            <a:r>
-              <a:rPr lang="en-US" altLang="ko-KR" dirty="0" err="1" smtClean="0"/>
-              <a:t>CarBrand</a:t>
-            </a:r>
-            <a:r>
-              <a:rPr lang="en-US" altLang="ko-KR" dirty="0" smtClean="0"/>
-              <a:t> {</a:t>
-            </a:r>
-          </a:p>
-          <a:p>
-            <a:endParaRPr lang="ko-KR" altLang="en-US" dirty="0" smtClean="0"/>
-          </a:p>
-          <a:p>
-            <a:r>
-              <a:rPr lang="en-US" altLang="ko-KR" i="1" dirty="0" smtClean="0"/>
-              <a:t>@Override</a:t>
-            </a:r>
-          </a:p>
-          <a:p>
-            <a:r>
-              <a:rPr lang="en-US" altLang="ko-KR" dirty="0" smtClean="0"/>
-              <a:t>public String </a:t>
-            </a:r>
-            <a:r>
-              <a:rPr lang="en-US" altLang="ko-KR" dirty="0" err="1" smtClean="0"/>
-              <a:t>getName</a:t>
-            </a:r>
-            <a:r>
-              <a:rPr lang="en-US" altLang="ko-KR" dirty="0" smtClean="0"/>
-              <a:t>() </a:t>
-            </a:r>
-          </a:p>
-          <a:p>
-            <a:r>
-              <a:rPr lang="en-US" altLang="ko-KR" dirty="0" smtClean="0"/>
-              <a:t>{</a:t>
-            </a:r>
-          </a:p>
-          <a:p>
-            <a:r>
-              <a:rPr lang="en-US" altLang="ko-KR" dirty="0" smtClean="0"/>
-              <a:t>return "</a:t>
-            </a:r>
-            <a:r>
-              <a:rPr lang="ko-KR" altLang="en-US" dirty="0" err="1" smtClean="0"/>
-              <a:t>그랑조</a:t>
-            </a:r>
-            <a:r>
-              <a:rPr lang="en-US" altLang="ko-KR" dirty="0" smtClean="0"/>
-              <a:t>";</a:t>
-            </a:r>
-          </a:p>
-          <a:p>
-            <a:r>
-              <a:rPr lang="en-US" altLang="ko-KR" dirty="0" smtClean="0"/>
-              <a:t>}</a:t>
-            </a:r>
-          </a:p>
-          <a:p>
-            <a:endParaRPr lang="ko-KR" altLang="en-US" dirty="0" smtClean="0"/>
-          </a:p>
-          <a:p>
-            <a:endParaRPr lang="ko-KR" altLang="en-US" dirty="0" smtClean="0"/>
-          </a:p>
-          <a:p>
-            <a:r>
-              <a:rPr lang="en-US" altLang="ko-KR" dirty="0" smtClean="0"/>
-              <a:t>}</a:t>
-            </a:r>
-          </a:p>
-          <a:p>
-            <a:endParaRPr lang="ko-KR" altLang="en-US" dirty="0"/>
-          </a:p>
-        </p:txBody>
-      </p:sp>
+        </p:nvPicPr>
+        <p:blipFill>
+          <a:blip r:embed="rId2"/>
+          <a:srcRect/>
+          <a:stretch>
+            <a:fillRect/>
+          </a:stretch>
+        </p:blipFill>
+        <p:spPr bwMode="auto">
+          <a:xfrm>
+            <a:off x="1571604" y="1857364"/>
+            <a:ext cx="5429288" cy="3051498"/>
+          </a:xfrm>
+          <a:prstGeom prst="rect">
+            <a:avLst/>
+          </a:prstGeom>
+          <a:noFill/>
+          <a:ln w="9525">
+            <a:noFill/>
+            <a:miter lim="800000"/>
+            <a:headEnd/>
+            <a:tailEnd/>
+          </a:ln>
+          <a:effectLst/>
+        </p:spPr>
+      </p:pic>
     </p:spTree>
   </p:cSld>
   <p:clrMapOvr>
@@ -5142,193 +4899,41 @@
           </a:p>
         </p:txBody>
       </p:sp>
-      <p:sp>
-        <p:nvSpPr>
-          <p:cNvPr id="3" name="내용 개체 틀 2"/>
-          <p:cNvSpPr>
-            <a:spLocks noGrp="1"/>
-          </p:cNvSpPr>
+      <p:pic>
+        <p:nvPicPr>
+          <p:cNvPr id="1026" name="Picture 2"/>
+          <p:cNvPicPr>
+            <a:picLocks noGrp="1" noChangeAspect="1" noChangeArrowheads="1"/>
+          </p:cNvPicPr>
           <p:nvPr>
             <p:ph idx="1"/>
           </p:nvPr>
-        </p:nvSpPr>
-        <p:spPr/>
-        <p:txBody>
-          <a:bodyPr>
-            <a:normAutofit fontScale="70000" lnSpcReduction="20000"/>
-          </a:bodyPr>
-          <a:lstStyle/>
-          <a:p>
-            <a:r>
-              <a:rPr lang="en-US" altLang="ko-KR" dirty="0" smtClean="0"/>
-              <a:t>package </a:t>
-            </a:r>
-            <a:r>
-              <a:rPr lang="en-US" altLang="ko-KR" dirty="0" err="1" smtClean="0"/>
-              <a:t>patton</a:t>
-            </a:r>
-            <a:r>
-              <a:rPr lang="en-US" altLang="ko-KR" dirty="0" smtClean="0"/>
-              <a:t>;</a:t>
-            </a:r>
-          </a:p>
-          <a:p>
-            <a:endParaRPr lang="ko-KR" altLang="en-US" dirty="0" smtClean="0"/>
-          </a:p>
-          <a:p>
-            <a:r>
-              <a:rPr lang="en-US" altLang="ko-KR" dirty="0" smtClean="0"/>
-              <a:t>public class CarStore3 {</a:t>
-            </a:r>
-          </a:p>
-          <a:p>
-            <a:endParaRPr lang="ko-KR" altLang="en-US" dirty="0" smtClean="0"/>
-          </a:p>
-          <a:p>
-            <a:r>
-              <a:rPr lang="en-US" altLang="ko-KR" dirty="0" smtClean="0"/>
-              <a:t>public static void main(String[] </a:t>
-            </a:r>
-            <a:r>
-              <a:rPr lang="en-US" altLang="ko-KR" dirty="0" err="1" smtClean="0"/>
-              <a:t>args</a:t>
-            </a:r>
-            <a:r>
-              <a:rPr lang="en-US" altLang="ko-KR" dirty="0" smtClean="0"/>
-              <a:t>) {</a:t>
-            </a:r>
-          </a:p>
-          <a:p>
-            <a:r>
-              <a:rPr lang="en-US" altLang="ko-KR" dirty="0" err="1" smtClean="0"/>
-              <a:t>CarBrand</a:t>
-            </a:r>
-            <a:r>
-              <a:rPr lang="en-US" altLang="ko-KR" dirty="0" smtClean="0"/>
-              <a:t> brand = CarFactory2.createCar(</a:t>
-            </a:r>
-            <a:r>
-              <a:rPr lang="en-US" altLang="ko-KR" dirty="0" err="1" smtClean="0"/>
-              <a:t>CarNames.Kia</a:t>
-            </a:r>
-            <a:r>
-              <a:rPr lang="en-US" altLang="ko-KR" dirty="0" smtClean="0"/>
-              <a:t>);</a:t>
-            </a:r>
-          </a:p>
-          <a:p>
-            <a:r>
-              <a:rPr lang="en-US" altLang="ko-KR" dirty="0" err="1" smtClean="0"/>
-              <a:t>System.out.println</a:t>
-            </a:r>
-            <a:r>
-              <a:rPr lang="en-US" altLang="ko-KR" dirty="0" smtClean="0"/>
-              <a:t>("</a:t>
-            </a:r>
-            <a:r>
-              <a:rPr lang="ko-KR" altLang="en-US" dirty="0" smtClean="0"/>
-              <a:t>차 이름 </a:t>
-            </a:r>
-            <a:r>
-              <a:rPr lang="en-US" altLang="ko-KR" dirty="0" smtClean="0"/>
-              <a:t>:"</a:t>
-            </a:r>
-            <a:r>
-              <a:rPr lang="ko-KR" altLang="en-US" dirty="0" smtClean="0"/>
-              <a:t> </a:t>
-            </a:r>
-            <a:r>
-              <a:rPr lang="en-US" altLang="ko-KR" dirty="0" smtClean="0"/>
-              <a:t>+</a:t>
-            </a:r>
-            <a:r>
-              <a:rPr lang="ko-KR" altLang="en-US" dirty="0" smtClean="0"/>
-              <a:t> </a:t>
-            </a:r>
-            <a:r>
-              <a:rPr lang="en-US" altLang="ko-KR" dirty="0" err="1" smtClean="0"/>
-              <a:t>brand.getName</a:t>
-            </a:r>
-            <a:r>
-              <a:rPr lang="en-US" altLang="ko-KR" dirty="0" smtClean="0"/>
-              <a:t>());</a:t>
-            </a:r>
-          </a:p>
-          <a:p>
-            <a:endParaRPr lang="ko-KR" altLang="en-US" dirty="0" smtClean="0"/>
-          </a:p>
-          <a:p>
-            <a:r>
-              <a:rPr lang="en-US" altLang="ko-KR" dirty="0" err="1" smtClean="0"/>
-              <a:t>CarBrand</a:t>
-            </a:r>
-            <a:r>
-              <a:rPr lang="en-US" altLang="ko-KR" dirty="0" smtClean="0"/>
-              <a:t> brand2 = CarFactory2.createCar(</a:t>
-            </a:r>
-            <a:r>
-              <a:rPr lang="en-US" altLang="ko-KR" dirty="0" err="1" smtClean="0"/>
-              <a:t>CarNames.Hyundai</a:t>
-            </a:r>
-            <a:r>
-              <a:rPr lang="en-US" altLang="ko-KR" dirty="0" smtClean="0"/>
-              <a:t>);</a:t>
-            </a:r>
-          </a:p>
-          <a:p>
-            <a:r>
-              <a:rPr lang="en-US" altLang="ko-KR" dirty="0" err="1" smtClean="0"/>
-              <a:t>System.out.println</a:t>
-            </a:r>
-            <a:r>
-              <a:rPr lang="en-US" altLang="ko-KR" dirty="0" smtClean="0"/>
-              <a:t>("</a:t>
-            </a:r>
-            <a:r>
-              <a:rPr lang="ko-KR" altLang="en-US" dirty="0" smtClean="0"/>
-              <a:t>차 이름 </a:t>
-            </a:r>
-            <a:r>
-              <a:rPr lang="en-US" altLang="ko-KR" dirty="0" smtClean="0"/>
-              <a:t>:"</a:t>
-            </a:r>
-            <a:r>
-              <a:rPr lang="ko-KR" altLang="en-US" dirty="0" smtClean="0"/>
-              <a:t> </a:t>
-            </a:r>
-            <a:r>
-              <a:rPr lang="en-US" altLang="ko-KR" dirty="0" smtClean="0"/>
-              <a:t>+</a:t>
-            </a:r>
-            <a:r>
-              <a:rPr lang="ko-KR" altLang="en-US" dirty="0" smtClean="0"/>
-              <a:t> </a:t>
-            </a:r>
-            <a:r>
-              <a:rPr lang="en-US" altLang="ko-KR" dirty="0" smtClean="0"/>
-              <a:t>brand2.getName());</a:t>
-            </a:r>
-          </a:p>
-          <a:p>
-            <a:r>
-              <a:rPr lang="en-US" altLang="ko-KR" dirty="0" smtClean="0"/>
-              <a:t>}</a:t>
-            </a:r>
-          </a:p>
-          <a:p>
-            <a:endParaRPr lang="ko-KR" altLang="en-US" dirty="0" smtClean="0"/>
-          </a:p>
-          <a:p>
-            <a:r>
-              <a:rPr lang="en-US" altLang="ko-KR" smtClean="0"/>
-              <a:t>}</a:t>
-            </a:r>
-          </a:p>
-          <a:p>
-            <a:endParaRPr lang="ko-KR" altLang="en-US"/>
-          </a:p>
-        </p:txBody>
-      </p:sp>
+        </p:nvPicPr>
+        <p:blipFill>
+          <a:blip r:embed="rId2"/>
+          <a:srcRect/>
+          <a:stretch>
+            <a:fillRect/>
+          </a:stretch>
+        </p:blipFill>
+        <p:spPr bwMode="auto">
+          <a:xfrm>
+            <a:off x="1500165" y="1857364"/>
+            <a:ext cx="7143801" cy="3500462"/>
+          </a:xfrm>
+          <a:prstGeom prst="rect">
+            <a:avLst/>
+          </a:prstGeom>
+          <a:noFill/>
+          <a:ln w="9525">
+            <a:noFill/>
+            <a:miter lim="800000"/>
+            <a:headEnd/>
+            <a:tailEnd/>
+          </a:ln>
+          <a:effectLst/>
+        </p:spPr>
+      </p:pic>
     </p:spTree>
   </p:cSld>
   <p:clrMapOvr>

--- a/Factory_Pattern/kum/팩토리 메소드 ppt.pptx
+++ b/Factory_Pattern/kum/팩토리 메소드 ppt.pptx
@@ -11,7 +11,8 @@
     <p:sldId id="259" r:id="rId5"/>
     <p:sldId id="261" r:id="rId6"/>
     <p:sldId id="262" r:id="rId7"/>
-    <p:sldId id="258" r:id="rId8"/>
+    <p:sldId id="263" r:id="rId8"/>
+    <p:sldId id="258" r:id="rId9"/>
   </p:sldIdLst>
   <p:sldSz cx="9144000" cy="6858000" type="screen4x3"/>
   <p:notesSz cx="6858000" cy="9144000"/>
@@ -4976,6 +4977,89 @@
           <a:p>
             <a:r>
               <a:rPr lang="ko-KR" altLang="en-US" dirty="0" smtClean="0"/>
+              <a:t>클래스 다이어그램</a:t>
+            </a:r>
+            <a:endParaRPr lang="ko-KR" altLang="en-US" dirty="0"/>
+          </a:p>
+        </p:txBody>
+      </p:sp>
+      <p:pic>
+        <p:nvPicPr>
+          <p:cNvPr id="1026" name="Picture 2"/>
+          <p:cNvPicPr>
+            <a:picLocks noGrp="1" noChangeAspect="1" noChangeArrowheads="1"/>
+          </p:cNvPicPr>
+          <p:nvPr>
+            <p:ph idx="1"/>
+          </p:nvPr>
+        </p:nvPicPr>
+        <p:blipFill>
+          <a:blip r:embed="rId2"/>
+          <a:srcRect/>
+          <a:stretch>
+            <a:fillRect/>
+          </a:stretch>
+        </p:blipFill>
+        <p:spPr bwMode="auto">
+          <a:xfrm>
+            <a:off x="3298825" y="1562100"/>
+            <a:ext cx="3771900" cy="4572000"/>
+          </a:xfrm>
+          <a:prstGeom prst="rect">
+            <a:avLst/>
+          </a:prstGeom>
+          <a:noFill/>
+          <a:ln w="9525">
+            <a:noFill/>
+            <a:miter lim="800000"/>
+            <a:headEnd/>
+            <a:tailEnd/>
+          </a:ln>
+          <a:effectLst/>
+        </p:spPr>
+      </p:pic>
+    </p:spTree>
+  </p:cSld>
+  <p:clrMapOvr>
+    <a:masterClrMapping/>
+  </p:clrMapOvr>
+</p:sld>
+</file>
+
+<file path=ppt/slides/slide8.xml><?xml version="1.0" encoding="utf-8"?>
+<p:sld xmlns:a="http://schemas.openxmlformats.org/drawingml/2006/main" xmlns:r="http://schemas.openxmlformats.org/officeDocument/2006/relationships" xmlns:p="http://schemas.openxmlformats.org/presentationml/2006/main">
+  <p:cSld>
+    <p:spTree>
+      <p:nvGrpSpPr>
+        <p:cNvPr id="1" name=""/>
+        <p:cNvGrpSpPr/>
+        <p:nvPr/>
+      </p:nvGrpSpPr>
+      <p:grpSpPr>
+        <a:xfrm>
+          <a:off x="0" y="0"/>
+          <a:ext cx="0" cy="0"/>
+          <a:chOff x="0" y="0"/>
+          <a:chExt cx="0" cy="0"/>
+        </a:xfrm>
+      </p:grpSpPr>
+      <p:sp>
+        <p:nvSpPr>
+          <p:cNvPr id="2" name="제목 1"/>
+          <p:cNvSpPr>
+            <a:spLocks noGrp="1"/>
+          </p:cNvSpPr>
+          <p:nvPr>
+            <p:ph type="title"/>
+          </p:nvPr>
+        </p:nvSpPr>
+        <p:spPr/>
+        <p:txBody>
+          <a:bodyPr/>
+          <a:lstStyle/>
+          <a:p>
+            <a:r>
+              <a:rPr lang="ko-KR" altLang="en-US" dirty="0" smtClean="0"/>
               <a:t>고려할 점 </a:t>
             </a:r>
             <a:endParaRPr lang="ko-KR" altLang="en-US" dirty="0"/>

--- a/Factory_Pattern/kum/팩토리 메소드 ppt.pptx
+++ b/Factory_Pattern/kum/팩토리 메소드 ppt.pptx
@@ -13,6 +13,18 @@
     <p:sldId id="262" r:id="rId7"/>
     <p:sldId id="263" r:id="rId8"/>
     <p:sldId id="258" r:id="rId9"/>
+    <p:sldId id="264" r:id="rId10"/>
+    <p:sldId id="265" r:id="rId11"/>
+    <p:sldId id="269" r:id="rId12"/>
+    <p:sldId id="273" r:id="rId13"/>
+    <p:sldId id="270" r:id="rId14"/>
+    <p:sldId id="274" r:id="rId15"/>
+    <p:sldId id="271" r:id="rId16"/>
+    <p:sldId id="272" r:id="rId17"/>
+    <p:sldId id="275" r:id="rId18"/>
+    <p:sldId id="268" r:id="rId19"/>
+    <p:sldId id="267" r:id="rId20"/>
+    <p:sldId id="266" r:id="rId21"/>
   </p:sldIdLst>
   <p:sldSz cx="9144000" cy="6858000" type="screen4x3"/>
   <p:notesSz cx="6858000" cy="9144000"/>
@@ -4216,6 +4228,1276 @@
 </p:sld>
 </file>
 
+<file path=ppt/slides/slide10.xml><?xml version="1.0" encoding="utf-8"?>
+<p:sld xmlns:a="http://schemas.openxmlformats.org/drawingml/2006/main" xmlns:r="http://schemas.openxmlformats.org/officeDocument/2006/relationships" xmlns:p="http://schemas.openxmlformats.org/presentationml/2006/main">
+  <p:cSld>
+    <p:spTree>
+      <p:nvGrpSpPr>
+        <p:cNvPr id="1" name=""/>
+        <p:cNvGrpSpPr/>
+        <p:nvPr/>
+      </p:nvGrpSpPr>
+      <p:grpSpPr>
+        <a:xfrm>
+          <a:off x="0" y="0"/>
+          <a:ext cx="0" cy="0"/>
+          <a:chOff x="0" y="0"/>
+          <a:chExt cx="0" cy="0"/>
+        </a:xfrm>
+      </p:grpSpPr>
+      <p:sp>
+        <p:nvSpPr>
+          <p:cNvPr id="2" name="제목 1"/>
+          <p:cNvSpPr>
+            <a:spLocks noGrp="1"/>
+          </p:cNvSpPr>
+          <p:nvPr>
+            <p:ph type="title"/>
+          </p:nvPr>
+        </p:nvSpPr>
+        <p:spPr/>
+        <p:txBody>
+          <a:bodyPr/>
+          <a:lstStyle/>
+          <a:p>
+            <a:r>
+              <a:rPr lang="ko-KR" altLang="en-US" dirty="0" smtClean="0"/>
+              <a:t>정의</a:t>
+            </a:r>
+            <a:endParaRPr lang="ko-KR" altLang="en-US" dirty="0"/>
+          </a:p>
+        </p:txBody>
+      </p:sp>
+      <p:sp>
+        <p:nvSpPr>
+          <p:cNvPr id="3" name="내용 개체 틀 2"/>
+          <p:cNvSpPr>
+            <a:spLocks noGrp="1"/>
+          </p:cNvSpPr>
+          <p:nvPr>
+            <p:ph idx="1"/>
+          </p:nvPr>
+        </p:nvSpPr>
+        <p:spPr/>
+        <p:txBody>
+          <a:bodyPr>
+            <a:normAutofit/>
+          </a:bodyPr>
+          <a:lstStyle/>
+          <a:p>
+            <a:r>
+              <a:rPr lang="ko-KR" altLang="en-US" sz="1800" dirty="0" err="1" smtClean="0">
+                <a:latin typeface="HY견고딕" pitchFamily="18" charset="-127"/>
+                <a:ea typeface="HY견고딕" pitchFamily="18" charset="-127"/>
+              </a:rPr>
+              <a:t>추상팩토리</a:t>
+            </a:r>
+            <a:r>
+              <a:rPr lang="ko-KR" altLang="en-US" sz="1800" dirty="0" smtClean="0">
+                <a:latin typeface="HY견고딕" pitchFamily="18" charset="-127"/>
+                <a:ea typeface="HY견고딕" pitchFamily="18" charset="-127"/>
+              </a:rPr>
+              <a:t> 패턴은 많은 수의 연관된 서브 클래스를 특정 그룹으로 묶어 한번에 교체할 수 있도록 만든 디자인패턴이다</a:t>
+            </a:r>
+            <a:r>
+              <a:rPr lang="en-US" altLang="ko-KR" sz="1800" dirty="0" smtClean="0">
+                <a:latin typeface="HY견고딕" pitchFamily="18" charset="-127"/>
+                <a:ea typeface="HY견고딕" pitchFamily="18" charset="-127"/>
+              </a:rPr>
+              <a:t>. </a:t>
+            </a:r>
+            <a:endParaRPr lang="en-US" altLang="ko-KR" sz="1800" dirty="0" smtClean="0">
+              <a:latin typeface="HY견고딕" pitchFamily="18" charset="-127"/>
+              <a:ea typeface="HY견고딕" pitchFamily="18" charset="-127"/>
+            </a:endParaRPr>
+          </a:p>
+          <a:p>
+            <a:r>
+              <a:rPr lang="ko-KR" altLang="en-US" sz="1800" dirty="0" smtClean="0">
+                <a:latin typeface="HY견고딕" pitchFamily="18" charset="-127"/>
+                <a:ea typeface="HY견고딕" pitchFamily="18" charset="-127"/>
+              </a:rPr>
+              <a:t>대표적인 </a:t>
+            </a:r>
+            <a:r>
+              <a:rPr lang="ko-KR" altLang="en-US" sz="1800" dirty="0" smtClean="0">
+                <a:latin typeface="HY견고딕" pitchFamily="18" charset="-127"/>
+                <a:ea typeface="HY견고딕" pitchFamily="18" charset="-127"/>
+              </a:rPr>
+              <a:t>예로는 특정 라이브러리를 배포할 때 </a:t>
+            </a:r>
+            <a:r>
+              <a:rPr lang="en-US" altLang="ko-KR" sz="1800" dirty="0" smtClean="0">
+                <a:latin typeface="HY견고딕" pitchFamily="18" charset="-127"/>
+                <a:ea typeface="HY견고딕" pitchFamily="18" charset="-127"/>
+              </a:rPr>
+              <a:t>OS</a:t>
+            </a:r>
+            <a:r>
+              <a:rPr lang="ko-KR" altLang="en-US" sz="1800" dirty="0" smtClean="0">
+                <a:latin typeface="HY견고딕" pitchFamily="18" charset="-127"/>
+                <a:ea typeface="HY견고딕" pitchFamily="18" charset="-127"/>
+              </a:rPr>
+              <a:t>별로 지원하는 기능이 다르다면 추상 </a:t>
+            </a:r>
+            <a:r>
+              <a:rPr lang="ko-KR" altLang="en-US" sz="1800" dirty="0" err="1" smtClean="0">
+                <a:latin typeface="HY견고딕" pitchFamily="18" charset="-127"/>
+                <a:ea typeface="HY견고딕" pitchFamily="18" charset="-127"/>
+              </a:rPr>
+              <a:t>팩토리</a:t>
+            </a:r>
+            <a:r>
+              <a:rPr lang="ko-KR" altLang="en-US" sz="1800" dirty="0" smtClean="0">
+                <a:latin typeface="HY견고딕" pitchFamily="18" charset="-127"/>
+                <a:ea typeface="HY견고딕" pitchFamily="18" charset="-127"/>
+              </a:rPr>
+              <a:t> 패턴을 사용해 </a:t>
+            </a:r>
+            <a:r>
+              <a:rPr lang="en-US" altLang="ko-KR" sz="1800" dirty="0" smtClean="0">
+                <a:latin typeface="HY견고딕" pitchFamily="18" charset="-127"/>
+                <a:ea typeface="HY견고딕" pitchFamily="18" charset="-127"/>
+              </a:rPr>
+              <a:t>OS</a:t>
+            </a:r>
+            <a:r>
+              <a:rPr lang="ko-KR" altLang="en-US" sz="1800" dirty="0" smtClean="0">
+                <a:latin typeface="HY견고딕" pitchFamily="18" charset="-127"/>
+                <a:ea typeface="HY견고딕" pitchFamily="18" charset="-127"/>
+              </a:rPr>
+              <a:t>별 기능 변경을 통합적으로 변경할 수 있다</a:t>
+            </a:r>
+            <a:r>
+              <a:rPr lang="en-US" altLang="ko-KR" sz="1800" dirty="0" smtClean="0"/>
+              <a:t>.</a:t>
+            </a:r>
+            <a:endParaRPr lang="en-US" altLang="ko-KR" sz="1800" dirty="0" smtClean="0">
+              <a:latin typeface="HY견고딕" pitchFamily="18" charset="-127"/>
+              <a:ea typeface="HY견고딕" pitchFamily="18" charset="-127"/>
+            </a:endParaRPr>
+          </a:p>
+          <a:p>
+            <a:r>
+              <a:rPr lang="ko-KR" altLang="en-US" sz="1800" dirty="0" err="1" smtClean="0">
+                <a:latin typeface="HY견고딕" pitchFamily="18" charset="-127"/>
+                <a:ea typeface="HY견고딕" pitchFamily="18" charset="-127"/>
+              </a:rPr>
+              <a:t>추상팩토리</a:t>
+            </a:r>
+            <a:r>
+              <a:rPr lang="ko-KR" altLang="en-US" sz="1800" dirty="0" smtClean="0">
+                <a:latin typeface="HY견고딕" pitchFamily="18" charset="-127"/>
+                <a:ea typeface="HY견고딕" pitchFamily="18" charset="-127"/>
+              </a:rPr>
+              <a:t> </a:t>
+            </a:r>
+            <a:r>
+              <a:rPr lang="ko-KR" altLang="en-US" sz="1800" dirty="0" smtClean="0">
+                <a:latin typeface="HY견고딕" pitchFamily="18" charset="-127"/>
+                <a:ea typeface="HY견고딕" pitchFamily="18" charset="-127"/>
+              </a:rPr>
+              <a:t>패턴은 다양한 구성 요소 별로 </a:t>
+            </a:r>
+            <a:r>
+              <a:rPr lang="en-US" altLang="ko-KR" sz="1800" dirty="0" smtClean="0">
+                <a:latin typeface="HY견고딕" pitchFamily="18" charset="-127"/>
+                <a:ea typeface="HY견고딕" pitchFamily="18" charset="-127"/>
+              </a:rPr>
+              <a:t>"</a:t>
+            </a:r>
+            <a:r>
+              <a:rPr lang="ko-KR" altLang="en-US" sz="1800" dirty="0" smtClean="0">
+                <a:latin typeface="HY견고딕" pitchFamily="18" charset="-127"/>
+                <a:ea typeface="HY견고딕" pitchFamily="18" charset="-127"/>
+              </a:rPr>
+              <a:t>객체의  집합</a:t>
+            </a:r>
+            <a:r>
+              <a:rPr lang="en-US" altLang="ko-KR" sz="1800" dirty="0" smtClean="0">
+                <a:latin typeface="HY견고딕" pitchFamily="18" charset="-127"/>
+                <a:ea typeface="HY견고딕" pitchFamily="18" charset="-127"/>
+              </a:rPr>
+              <a:t>"</a:t>
+            </a:r>
+            <a:r>
+              <a:rPr lang="ko-KR" altLang="en-US" sz="1800" dirty="0" smtClean="0">
+                <a:latin typeface="HY견고딕" pitchFamily="18" charset="-127"/>
+                <a:ea typeface="HY견고딕" pitchFamily="18" charset="-127"/>
+              </a:rPr>
+              <a:t>을 생성해야 할 때 유용한 패턴이다</a:t>
+            </a:r>
+            <a:r>
+              <a:rPr lang="en-US" altLang="ko-KR" sz="1800" dirty="0" smtClean="0">
+                <a:latin typeface="HY견고딕" pitchFamily="18" charset="-127"/>
+                <a:ea typeface="HY견고딕" pitchFamily="18" charset="-127"/>
+              </a:rPr>
+              <a:t>. </a:t>
+            </a:r>
+            <a:r>
+              <a:rPr lang="ko-KR" altLang="en-US" sz="1800" dirty="0" smtClean="0">
+                <a:latin typeface="HY견고딕" pitchFamily="18" charset="-127"/>
+                <a:ea typeface="HY견고딕" pitchFamily="18" charset="-127"/>
+              </a:rPr>
+              <a:t>다시 말해서</a:t>
+            </a:r>
+            <a:r>
+              <a:rPr lang="en-US" altLang="ko-KR" sz="1800" dirty="0" smtClean="0">
+                <a:latin typeface="HY견고딕" pitchFamily="18" charset="-127"/>
+                <a:ea typeface="HY견고딕" pitchFamily="18" charset="-127"/>
+              </a:rPr>
+              <a:t>, </a:t>
+            </a:r>
+            <a:r>
+              <a:rPr lang="ko-KR" altLang="en-US" sz="1800" dirty="0" smtClean="0">
+                <a:latin typeface="HY견고딕" pitchFamily="18" charset="-127"/>
+                <a:ea typeface="HY견고딕" pitchFamily="18" charset="-127"/>
+              </a:rPr>
+              <a:t>서로의 다른 객체들을 하나의 </a:t>
+            </a:r>
+            <a:r>
+              <a:rPr lang="ko-KR" altLang="en-US" sz="1800" dirty="0" err="1" smtClean="0">
+                <a:latin typeface="HY견고딕" pitchFamily="18" charset="-127"/>
+                <a:ea typeface="HY견고딕" pitchFamily="18" charset="-127"/>
+              </a:rPr>
+              <a:t>팩토리에서</a:t>
+            </a:r>
+            <a:r>
+              <a:rPr lang="ko-KR" altLang="en-US" sz="1800" dirty="0" smtClean="0">
+                <a:latin typeface="HY견고딕" pitchFamily="18" charset="-127"/>
+                <a:ea typeface="HY견고딕" pitchFamily="18" charset="-127"/>
+              </a:rPr>
+              <a:t> 생성과 관리를 한다고 </a:t>
+            </a:r>
+            <a:r>
+              <a:rPr lang="ko-KR" altLang="en-US" sz="1800" dirty="0" err="1" smtClean="0">
+                <a:latin typeface="HY견고딕" pitchFamily="18" charset="-127"/>
+                <a:ea typeface="HY견고딕" pitchFamily="18" charset="-127"/>
+              </a:rPr>
+              <a:t>보면된다</a:t>
+            </a:r>
+            <a:r>
+              <a:rPr lang="en-US" altLang="ko-KR" sz="1800" dirty="0" smtClean="0">
+                <a:latin typeface="HY견고딕" pitchFamily="18" charset="-127"/>
+                <a:ea typeface="HY견고딕" pitchFamily="18" charset="-127"/>
+              </a:rPr>
+              <a:t>. </a:t>
+            </a:r>
+            <a:endParaRPr lang="en-US" altLang="ko-KR" sz="1800" dirty="0" smtClean="0">
+              <a:latin typeface="HY견고딕" pitchFamily="18" charset="-127"/>
+              <a:ea typeface="HY견고딕" pitchFamily="18" charset="-127"/>
+            </a:endParaRPr>
+          </a:p>
+          <a:p>
+            <a:r>
+              <a:rPr lang="ko-KR" altLang="en-US" sz="1800" dirty="0" smtClean="0">
+                <a:latin typeface="HY견고딕" pitchFamily="18" charset="-127"/>
+                <a:ea typeface="HY견고딕" pitchFamily="18" charset="-127"/>
+              </a:rPr>
+              <a:t>하나의 </a:t>
+            </a:r>
+            <a:r>
+              <a:rPr lang="ko-KR" altLang="en-US" sz="1800" dirty="0" smtClean="0">
+                <a:latin typeface="HY견고딕" pitchFamily="18" charset="-127"/>
+                <a:ea typeface="HY견고딕" pitchFamily="18" charset="-127"/>
+              </a:rPr>
+              <a:t>인터페이스에서 객체의 생성을 처리하고</a:t>
+            </a:r>
+            <a:r>
+              <a:rPr lang="en-US" altLang="ko-KR" sz="1800" dirty="0" smtClean="0">
+                <a:latin typeface="HY견고딕" pitchFamily="18" charset="-127"/>
+                <a:ea typeface="HY견고딕" pitchFamily="18" charset="-127"/>
+              </a:rPr>
+              <a:t>, </a:t>
+            </a:r>
+            <a:r>
+              <a:rPr lang="ko-KR" altLang="en-US" sz="1800" dirty="0" smtClean="0">
+                <a:latin typeface="HY견고딕" pitchFamily="18" charset="-127"/>
+                <a:ea typeface="HY견고딕" pitchFamily="18" charset="-127"/>
+              </a:rPr>
+              <a:t>다양한 성격의 객체를 하나의 군으로 형성해 그것을 객체 단위로 취급하여 </a:t>
+            </a:r>
+            <a:r>
+              <a:rPr lang="ko-KR" altLang="en-US" sz="1800" dirty="0" err="1" smtClean="0">
+                <a:latin typeface="HY견고딕" pitchFamily="18" charset="-127"/>
+                <a:ea typeface="HY견고딕" pitchFamily="18" charset="-127"/>
+              </a:rPr>
+              <a:t>생성해야할</a:t>
+            </a:r>
+            <a:r>
+              <a:rPr lang="ko-KR" altLang="en-US" sz="1800" dirty="0" smtClean="0">
+                <a:latin typeface="HY견고딕" pitchFamily="18" charset="-127"/>
+                <a:ea typeface="HY견고딕" pitchFamily="18" charset="-127"/>
+              </a:rPr>
+              <a:t> 때 유용한 패턴이다</a:t>
+            </a:r>
+            <a:r>
+              <a:rPr lang="en-US" altLang="ko-KR" sz="1800" dirty="0" smtClean="0">
+                <a:latin typeface="HY견고딕" pitchFamily="18" charset="-127"/>
+                <a:ea typeface="HY견고딕" pitchFamily="18" charset="-127"/>
+              </a:rPr>
+              <a:t>.</a:t>
+            </a:r>
+            <a:endParaRPr lang="ko-KR" altLang="en-US" sz="1800" dirty="0">
+              <a:latin typeface="HY견고딕" pitchFamily="18" charset="-127"/>
+              <a:ea typeface="HY견고딕" pitchFamily="18" charset="-127"/>
+            </a:endParaRPr>
+          </a:p>
+        </p:txBody>
+      </p:sp>
+    </p:spTree>
+  </p:cSld>
+  <p:clrMapOvr>
+    <a:masterClrMapping/>
+  </p:clrMapOvr>
+</p:sld>
+</file>
+
+<file path=ppt/slides/slide11.xml><?xml version="1.0" encoding="utf-8"?>
+<p:sld xmlns:a="http://schemas.openxmlformats.org/drawingml/2006/main" xmlns:r="http://schemas.openxmlformats.org/officeDocument/2006/relationships" xmlns:p="http://schemas.openxmlformats.org/presentationml/2006/main">
+  <p:cSld>
+    <p:spTree>
+      <p:nvGrpSpPr>
+        <p:cNvPr id="1" name=""/>
+        <p:cNvGrpSpPr/>
+        <p:nvPr/>
+      </p:nvGrpSpPr>
+      <p:grpSpPr>
+        <a:xfrm>
+          <a:off x="0" y="0"/>
+          <a:ext cx="0" cy="0"/>
+          <a:chOff x="0" y="0"/>
+          <a:chExt cx="0" cy="0"/>
+        </a:xfrm>
+      </p:grpSpPr>
+      <p:sp>
+        <p:nvSpPr>
+          <p:cNvPr id="2" name="제목 1"/>
+          <p:cNvSpPr>
+            <a:spLocks noGrp="1"/>
+          </p:cNvSpPr>
+          <p:nvPr>
+            <p:ph type="title"/>
+          </p:nvPr>
+        </p:nvSpPr>
+        <p:spPr/>
+        <p:txBody>
+          <a:bodyPr/>
+          <a:lstStyle/>
+          <a:p>
+            <a:r>
+              <a:rPr lang="ko-KR" altLang="en-US" dirty="0" smtClean="0"/>
+              <a:t>추상클래스</a:t>
+            </a:r>
+            <a:endParaRPr lang="ko-KR" altLang="en-US" dirty="0"/>
+          </a:p>
+        </p:txBody>
+      </p:sp>
+      <p:pic>
+        <p:nvPicPr>
+          <p:cNvPr id="4099" name="Picture 3"/>
+          <p:cNvPicPr>
+            <a:picLocks noGrp="1" noChangeAspect="1" noChangeArrowheads="1"/>
+          </p:cNvPicPr>
+          <p:nvPr>
+            <p:ph idx="1"/>
+          </p:nvPr>
+        </p:nvPicPr>
+        <p:blipFill>
+          <a:blip r:embed="rId2"/>
+          <a:srcRect/>
+          <a:stretch>
+            <a:fillRect/>
+          </a:stretch>
+        </p:blipFill>
+        <p:spPr bwMode="auto">
+          <a:xfrm>
+            <a:off x="4355723" y="1857364"/>
+            <a:ext cx="4788277" cy="1143008"/>
+          </a:xfrm>
+          <a:prstGeom prst="rect">
+            <a:avLst/>
+          </a:prstGeom>
+          <a:noFill/>
+          <a:ln w="9525">
+            <a:noFill/>
+            <a:miter lim="800000"/>
+            <a:headEnd/>
+            <a:tailEnd/>
+          </a:ln>
+          <a:effectLst/>
+        </p:spPr>
+      </p:pic>
+      <p:pic>
+        <p:nvPicPr>
+          <p:cNvPr id="4100" name="Picture 4"/>
+          <p:cNvPicPr>
+            <a:picLocks noChangeAspect="1" noChangeArrowheads="1"/>
+          </p:cNvPicPr>
+          <p:nvPr/>
+        </p:nvPicPr>
+        <p:blipFill>
+          <a:blip r:embed="rId3"/>
+          <a:srcRect/>
+          <a:stretch>
+            <a:fillRect/>
+          </a:stretch>
+        </p:blipFill>
+        <p:spPr bwMode="auto">
+          <a:xfrm>
+            <a:off x="1357290" y="3000372"/>
+            <a:ext cx="2286016" cy="904877"/>
+          </a:xfrm>
+          <a:prstGeom prst="rect">
+            <a:avLst/>
+          </a:prstGeom>
+          <a:noFill/>
+          <a:ln w="9525">
+            <a:noFill/>
+            <a:miter lim="800000"/>
+            <a:headEnd/>
+            <a:tailEnd/>
+          </a:ln>
+          <a:effectLst/>
+        </p:spPr>
+      </p:pic>
+      <p:pic>
+        <p:nvPicPr>
+          <p:cNvPr id="4101" name="Picture 5"/>
+          <p:cNvPicPr>
+            <a:picLocks noChangeAspect="1" noChangeArrowheads="1"/>
+          </p:cNvPicPr>
+          <p:nvPr/>
+        </p:nvPicPr>
+        <p:blipFill>
+          <a:blip r:embed="rId4"/>
+          <a:srcRect/>
+          <a:stretch>
+            <a:fillRect/>
+          </a:stretch>
+        </p:blipFill>
+        <p:spPr bwMode="auto">
+          <a:xfrm>
+            <a:off x="4572000" y="4286256"/>
+            <a:ext cx="4411290" cy="1147765"/>
+          </a:xfrm>
+          <a:prstGeom prst="rect">
+            <a:avLst/>
+          </a:prstGeom>
+          <a:noFill/>
+          <a:ln w="9525">
+            <a:noFill/>
+            <a:miter lim="800000"/>
+            <a:headEnd/>
+            <a:tailEnd/>
+          </a:ln>
+          <a:effectLst/>
+        </p:spPr>
+      </p:pic>
+    </p:spTree>
+  </p:cSld>
+  <p:clrMapOvr>
+    <a:masterClrMapping/>
+  </p:clrMapOvr>
+</p:sld>
+</file>
+
+<file path=ppt/slides/slide12.xml><?xml version="1.0" encoding="utf-8"?>
+<p:sld xmlns:a="http://schemas.openxmlformats.org/drawingml/2006/main" xmlns:r="http://schemas.openxmlformats.org/officeDocument/2006/relationships" xmlns:p="http://schemas.openxmlformats.org/presentationml/2006/main">
+  <p:cSld>
+    <p:spTree>
+      <p:nvGrpSpPr>
+        <p:cNvPr id="1" name=""/>
+        <p:cNvGrpSpPr/>
+        <p:nvPr/>
+      </p:nvGrpSpPr>
+      <p:grpSpPr>
+        <a:xfrm>
+          <a:off x="0" y="0"/>
+          <a:ext cx="0" cy="0"/>
+          <a:chOff x="0" y="0"/>
+          <a:chExt cx="0" cy="0"/>
+        </a:xfrm>
+      </p:grpSpPr>
+      <p:sp>
+        <p:nvSpPr>
+          <p:cNvPr id="2" name="제목 1"/>
+          <p:cNvSpPr>
+            <a:spLocks noGrp="1"/>
+          </p:cNvSpPr>
+          <p:nvPr>
+            <p:ph type="title"/>
+          </p:nvPr>
+        </p:nvSpPr>
+        <p:spPr/>
+        <p:txBody>
+          <a:bodyPr/>
+          <a:lstStyle/>
+          <a:p>
+            <a:r>
+              <a:rPr lang="ko-KR" altLang="en-US" dirty="0" err="1" smtClean="0"/>
+              <a:t>메소드</a:t>
+            </a:r>
+            <a:endParaRPr lang="ko-KR" altLang="en-US" dirty="0"/>
+          </a:p>
+        </p:txBody>
+      </p:sp>
+      <p:pic>
+        <p:nvPicPr>
+          <p:cNvPr id="8194" name="Picture 2"/>
+          <p:cNvPicPr>
+            <a:picLocks noGrp="1" noChangeAspect="1" noChangeArrowheads="1"/>
+          </p:cNvPicPr>
+          <p:nvPr>
+            <p:ph idx="1"/>
+          </p:nvPr>
+        </p:nvPicPr>
+        <p:blipFill>
+          <a:blip r:embed="rId2"/>
+          <a:srcRect/>
+          <a:stretch>
+            <a:fillRect/>
+          </a:stretch>
+        </p:blipFill>
+        <p:spPr bwMode="auto">
+          <a:xfrm>
+            <a:off x="3000364" y="2143116"/>
+            <a:ext cx="5143536" cy="2771779"/>
+          </a:xfrm>
+          <a:prstGeom prst="rect">
+            <a:avLst/>
+          </a:prstGeom>
+          <a:noFill/>
+          <a:ln w="9525">
+            <a:noFill/>
+            <a:miter lim="800000"/>
+            <a:headEnd/>
+            <a:tailEnd/>
+          </a:ln>
+          <a:effectLst/>
+        </p:spPr>
+      </p:pic>
+    </p:spTree>
+  </p:cSld>
+  <p:clrMapOvr>
+    <a:masterClrMapping/>
+  </p:clrMapOvr>
+</p:sld>
+</file>
+
+<file path=ppt/slides/slide13.xml><?xml version="1.0" encoding="utf-8"?>
+<p:sld xmlns:a="http://schemas.openxmlformats.org/drawingml/2006/main" xmlns:r="http://schemas.openxmlformats.org/officeDocument/2006/relationships" xmlns:p="http://schemas.openxmlformats.org/presentationml/2006/main">
+  <p:cSld>
+    <p:spTree>
+      <p:nvGrpSpPr>
+        <p:cNvPr id="1" name=""/>
+        <p:cNvGrpSpPr/>
+        <p:nvPr/>
+      </p:nvGrpSpPr>
+      <p:grpSpPr>
+        <a:xfrm>
+          <a:off x="0" y="0"/>
+          <a:ext cx="0" cy="0"/>
+          <a:chOff x="0" y="0"/>
+          <a:chExt cx="0" cy="0"/>
+        </a:xfrm>
+      </p:grpSpPr>
+      <p:sp>
+        <p:nvSpPr>
+          <p:cNvPr id="2" name="제목 1"/>
+          <p:cNvSpPr>
+            <a:spLocks noGrp="1"/>
+          </p:cNvSpPr>
+          <p:nvPr>
+            <p:ph type="title"/>
+          </p:nvPr>
+        </p:nvSpPr>
+        <p:spPr/>
+        <p:txBody>
+          <a:bodyPr/>
+          <a:lstStyle/>
+          <a:p>
+            <a:r>
+              <a:rPr lang="ko-KR" altLang="en-US" dirty="0" smtClean="0"/>
+              <a:t>추상클래스</a:t>
+            </a:r>
+            <a:endParaRPr lang="ko-KR" altLang="en-US" dirty="0"/>
+          </a:p>
+        </p:txBody>
+      </p:sp>
+      <p:pic>
+        <p:nvPicPr>
+          <p:cNvPr id="5122" name="Picture 2"/>
+          <p:cNvPicPr>
+            <a:picLocks noChangeAspect="1" noChangeArrowheads="1"/>
+          </p:cNvPicPr>
+          <p:nvPr/>
+        </p:nvPicPr>
+        <p:blipFill>
+          <a:blip r:embed="rId2"/>
+          <a:srcRect/>
+          <a:stretch>
+            <a:fillRect/>
+          </a:stretch>
+        </p:blipFill>
+        <p:spPr bwMode="auto">
+          <a:xfrm>
+            <a:off x="1643042" y="3500438"/>
+            <a:ext cx="2576943" cy="747714"/>
+          </a:xfrm>
+          <a:prstGeom prst="rect">
+            <a:avLst/>
+          </a:prstGeom>
+          <a:noFill/>
+          <a:ln w="9525">
+            <a:noFill/>
+            <a:miter lim="800000"/>
+            <a:headEnd/>
+            <a:tailEnd/>
+          </a:ln>
+          <a:effectLst/>
+        </p:spPr>
+      </p:pic>
+      <p:pic>
+        <p:nvPicPr>
+          <p:cNvPr id="5123" name="Picture 3"/>
+          <p:cNvPicPr>
+            <a:picLocks noGrp="1" noChangeAspect="1" noChangeArrowheads="1"/>
+          </p:cNvPicPr>
+          <p:nvPr>
+            <p:ph idx="1"/>
+          </p:nvPr>
+        </p:nvPicPr>
+        <p:blipFill>
+          <a:blip r:embed="rId3"/>
+          <a:srcRect/>
+          <a:stretch>
+            <a:fillRect/>
+          </a:stretch>
+        </p:blipFill>
+        <p:spPr bwMode="auto">
+          <a:xfrm>
+            <a:off x="4929190" y="1857364"/>
+            <a:ext cx="3828031" cy="928694"/>
+          </a:xfrm>
+          <a:prstGeom prst="rect">
+            <a:avLst/>
+          </a:prstGeom>
+          <a:noFill/>
+          <a:ln w="9525">
+            <a:noFill/>
+            <a:miter lim="800000"/>
+            <a:headEnd/>
+            <a:tailEnd/>
+          </a:ln>
+          <a:effectLst/>
+        </p:spPr>
+      </p:pic>
+      <p:pic>
+        <p:nvPicPr>
+          <p:cNvPr id="5124" name="Picture 4"/>
+          <p:cNvPicPr>
+            <a:picLocks noChangeAspect="1" noChangeArrowheads="1"/>
+          </p:cNvPicPr>
+          <p:nvPr/>
+        </p:nvPicPr>
+        <p:blipFill>
+          <a:blip r:embed="rId4"/>
+          <a:srcRect/>
+          <a:stretch>
+            <a:fillRect/>
+          </a:stretch>
+        </p:blipFill>
+        <p:spPr bwMode="auto">
+          <a:xfrm>
+            <a:off x="5072066" y="4634052"/>
+            <a:ext cx="3881937" cy="1123821"/>
+          </a:xfrm>
+          <a:prstGeom prst="rect">
+            <a:avLst/>
+          </a:prstGeom>
+          <a:noFill/>
+          <a:ln w="9525">
+            <a:noFill/>
+            <a:miter lim="800000"/>
+            <a:headEnd/>
+            <a:tailEnd/>
+          </a:ln>
+          <a:effectLst/>
+        </p:spPr>
+      </p:pic>
+    </p:spTree>
+  </p:cSld>
+  <p:clrMapOvr>
+    <a:masterClrMapping/>
+  </p:clrMapOvr>
+</p:sld>
+</file>
+
+<file path=ppt/slides/slide14.xml><?xml version="1.0" encoding="utf-8"?>
+<p:sld xmlns:a="http://schemas.openxmlformats.org/drawingml/2006/main" xmlns:r="http://schemas.openxmlformats.org/officeDocument/2006/relationships" xmlns:p="http://schemas.openxmlformats.org/presentationml/2006/main">
+  <p:cSld>
+    <p:spTree>
+      <p:nvGrpSpPr>
+        <p:cNvPr id="1" name=""/>
+        <p:cNvGrpSpPr/>
+        <p:nvPr/>
+      </p:nvGrpSpPr>
+      <p:grpSpPr>
+        <a:xfrm>
+          <a:off x="0" y="0"/>
+          <a:ext cx="0" cy="0"/>
+          <a:chOff x="0" y="0"/>
+          <a:chExt cx="0" cy="0"/>
+        </a:xfrm>
+      </p:grpSpPr>
+      <p:sp>
+        <p:nvSpPr>
+          <p:cNvPr id="2" name="제목 1"/>
+          <p:cNvSpPr>
+            <a:spLocks noGrp="1"/>
+          </p:cNvSpPr>
+          <p:nvPr>
+            <p:ph type="title"/>
+          </p:nvPr>
+        </p:nvSpPr>
+        <p:spPr/>
+        <p:txBody>
+          <a:bodyPr/>
+          <a:lstStyle/>
+          <a:p>
+            <a:r>
+              <a:rPr lang="ko-KR" altLang="en-US" dirty="0" err="1" smtClean="0"/>
+              <a:t>메소드</a:t>
+            </a:r>
+            <a:endParaRPr lang="ko-KR" altLang="en-US" dirty="0"/>
+          </a:p>
+        </p:txBody>
+      </p:sp>
+      <p:pic>
+        <p:nvPicPr>
+          <p:cNvPr id="9218" name="Picture 2"/>
+          <p:cNvPicPr>
+            <a:picLocks noGrp="1" noChangeAspect="1" noChangeArrowheads="1"/>
+          </p:cNvPicPr>
+          <p:nvPr>
+            <p:ph idx="1"/>
+          </p:nvPr>
+        </p:nvPicPr>
+        <p:blipFill>
+          <a:blip r:embed="rId2"/>
+          <a:srcRect/>
+          <a:stretch>
+            <a:fillRect/>
+          </a:stretch>
+        </p:blipFill>
+        <p:spPr bwMode="auto">
+          <a:xfrm>
+            <a:off x="1714480" y="1928802"/>
+            <a:ext cx="4857784" cy="3247776"/>
+          </a:xfrm>
+          <a:prstGeom prst="rect">
+            <a:avLst/>
+          </a:prstGeom>
+          <a:noFill/>
+          <a:ln w="9525">
+            <a:noFill/>
+            <a:miter lim="800000"/>
+            <a:headEnd/>
+            <a:tailEnd/>
+          </a:ln>
+          <a:effectLst/>
+        </p:spPr>
+      </p:pic>
+    </p:spTree>
+  </p:cSld>
+  <p:clrMapOvr>
+    <a:masterClrMapping/>
+  </p:clrMapOvr>
+</p:sld>
+</file>
+
+<file path=ppt/slides/slide15.xml><?xml version="1.0" encoding="utf-8"?>
+<p:sld xmlns:a="http://schemas.openxmlformats.org/drawingml/2006/main" xmlns:r="http://schemas.openxmlformats.org/officeDocument/2006/relationships" xmlns:p="http://schemas.openxmlformats.org/presentationml/2006/main">
+  <p:cSld>
+    <p:spTree>
+      <p:nvGrpSpPr>
+        <p:cNvPr id="1" name=""/>
+        <p:cNvGrpSpPr/>
+        <p:nvPr/>
+      </p:nvGrpSpPr>
+      <p:grpSpPr>
+        <a:xfrm>
+          <a:off x="0" y="0"/>
+          <a:ext cx="0" cy="0"/>
+          <a:chOff x="0" y="0"/>
+          <a:chExt cx="0" cy="0"/>
+        </a:xfrm>
+      </p:grpSpPr>
+      <p:sp>
+        <p:nvSpPr>
+          <p:cNvPr id="2" name="제목 1"/>
+          <p:cNvSpPr>
+            <a:spLocks noGrp="1"/>
+          </p:cNvSpPr>
+          <p:nvPr>
+            <p:ph type="title"/>
+          </p:nvPr>
+        </p:nvSpPr>
+        <p:spPr/>
+        <p:txBody>
+          <a:bodyPr/>
+          <a:lstStyle/>
+          <a:p>
+            <a:r>
+              <a:rPr lang="ko-KR" altLang="en-US" dirty="0" err="1" smtClean="0"/>
+              <a:t>메소드</a:t>
+            </a:r>
+            <a:endParaRPr lang="ko-KR" altLang="en-US" dirty="0"/>
+          </a:p>
+        </p:txBody>
+      </p:sp>
+      <p:pic>
+        <p:nvPicPr>
+          <p:cNvPr id="6146" name="Picture 2"/>
+          <p:cNvPicPr>
+            <a:picLocks noGrp="1" noChangeAspect="1" noChangeArrowheads="1"/>
+          </p:cNvPicPr>
+          <p:nvPr>
+            <p:ph idx="1"/>
+          </p:nvPr>
+        </p:nvPicPr>
+        <p:blipFill>
+          <a:blip r:embed="rId2"/>
+          <a:srcRect/>
+          <a:stretch>
+            <a:fillRect/>
+          </a:stretch>
+        </p:blipFill>
+        <p:spPr bwMode="auto">
+          <a:xfrm>
+            <a:off x="1285852" y="3143248"/>
+            <a:ext cx="3143272" cy="862014"/>
+          </a:xfrm>
+          <a:prstGeom prst="rect">
+            <a:avLst/>
+          </a:prstGeom>
+          <a:noFill/>
+          <a:ln w="9525">
+            <a:noFill/>
+            <a:miter lim="800000"/>
+            <a:headEnd/>
+            <a:tailEnd/>
+          </a:ln>
+          <a:effectLst/>
+        </p:spPr>
+      </p:pic>
+      <p:pic>
+        <p:nvPicPr>
+          <p:cNvPr id="6147" name="Picture 3"/>
+          <p:cNvPicPr>
+            <a:picLocks noChangeAspect="1" noChangeArrowheads="1"/>
+          </p:cNvPicPr>
+          <p:nvPr/>
+        </p:nvPicPr>
+        <p:blipFill>
+          <a:blip r:embed="rId3"/>
+          <a:srcRect/>
+          <a:stretch>
+            <a:fillRect/>
+          </a:stretch>
+        </p:blipFill>
+        <p:spPr bwMode="auto">
+          <a:xfrm>
+            <a:off x="4500562" y="1214422"/>
+            <a:ext cx="4443415" cy="1276350"/>
+          </a:xfrm>
+          <a:prstGeom prst="rect">
+            <a:avLst/>
+          </a:prstGeom>
+          <a:noFill/>
+          <a:ln w="9525">
+            <a:noFill/>
+            <a:miter lim="800000"/>
+            <a:headEnd/>
+            <a:tailEnd/>
+          </a:ln>
+          <a:effectLst/>
+        </p:spPr>
+      </p:pic>
+      <p:pic>
+        <p:nvPicPr>
+          <p:cNvPr id="6148" name="Picture 4"/>
+          <p:cNvPicPr>
+            <a:picLocks noChangeAspect="1" noChangeArrowheads="1"/>
+          </p:cNvPicPr>
+          <p:nvPr/>
+        </p:nvPicPr>
+        <p:blipFill>
+          <a:blip r:embed="rId4"/>
+          <a:srcRect/>
+          <a:stretch>
+            <a:fillRect/>
+          </a:stretch>
+        </p:blipFill>
+        <p:spPr bwMode="auto">
+          <a:xfrm>
+            <a:off x="4572000" y="4214818"/>
+            <a:ext cx="3914776" cy="1466851"/>
+          </a:xfrm>
+          <a:prstGeom prst="rect">
+            <a:avLst/>
+          </a:prstGeom>
+          <a:noFill/>
+          <a:ln w="9525">
+            <a:noFill/>
+            <a:miter lim="800000"/>
+            <a:headEnd/>
+            <a:tailEnd/>
+          </a:ln>
+          <a:effectLst/>
+        </p:spPr>
+      </p:pic>
+    </p:spTree>
+  </p:cSld>
+  <p:clrMapOvr>
+    <a:masterClrMapping/>
+  </p:clrMapOvr>
+</p:sld>
+</file>
+
+<file path=ppt/slides/slide16.xml><?xml version="1.0" encoding="utf-8"?>
+<p:sld xmlns:a="http://schemas.openxmlformats.org/drawingml/2006/main" xmlns:r="http://schemas.openxmlformats.org/officeDocument/2006/relationships" xmlns:p="http://schemas.openxmlformats.org/presentationml/2006/main">
+  <p:cSld>
+    <p:spTree>
+      <p:nvGrpSpPr>
+        <p:cNvPr id="1" name=""/>
+        <p:cNvGrpSpPr/>
+        <p:nvPr/>
+      </p:nvGrpSpPr>
+      <p:grpSpPr>
+        <a:xfrm>
+          <a:off x="0" y="0"/>
+          <a:ext cx="0" cy="0"/>
+          <a:chOff x="0" y="0"/>
+          <a:chExt cx="0" cy="0"/>
+        </a:xfrm>
+      </p:grpSpPr>
+      <p:sp>
+        <p:nvSpPr>
+          <p:cNvPr id="2" name="제목 1"/>
+          <p:cNvSpPr>
+            <a:spLocks noGrp="1"/>
+          </p:cNvSpPr>
+          <p:nvPr>
+            <p:ph type="title"/>
+          </p:nvPr>
+        </p:nvSpPr>
+        <p:spPr/>
+        <p:txBody>
+          <a:bodyPr/>
+          <a:lstStyle/>
+          <a:p>
+            <a:r>
+              <a:rPr lang="ko-KR" altLang="en-US" dirty="0" smtClean="0"/>
+              <a:t>클래스</a:t>
+            </a:r>
+            <a:endParaRPr lang="ko-KR" altLang="en-US" dirty="0"/>
+          </a:p>
+        </p:txBody>
+      </p:sp>
+      <p:pic>
+        <p:nvPicPr>
+          <p:cNvPr id="7170" name="Picture 2"/>
+          <p:cNvPicPr>
+            <a:picLocks noGrp="1" noChangeAspect="1" noChangeArrowheads="1"/>
+          </p:cNvPicPr>
+          <p:nvPr>
+            <p:ph idx="1"/>
+          </p:nvPr>
+        </p:nvPicPr>
+        <p:blipFill>
+          <a:blip r:embed="rId2"/>
+          <a:srcRect/>
+          <a:stretch>
+            <a:fillRect/>
+          </a:stretch>
+        </p:blipFill>
+        <p:spPr bwMode="auto">
+          <a:xfrm>
+            <a:off x="1785918" y="2357430"/>
+            <a:ext cx="5995400" cy="2586044"/>
+          </a:xfrm>
+          <a:prstGeom prst="rect">
+            <a:avLst/>
+          </a:prstGeom>
+          <a:noFill/>
+          <a:ln w="9525">
+            <a:noFill/>
+            <a:miter lim="800000"/>
+            <a:headEnd/>
+            <a:tailEnd/>
+          </a:ln>
+          <a:effectLst/>
+        </p:spPr>
+      </p:pic>
+    </p:spTree>
+  </p:cSld>
+  <p:clrMapOvr>
+    <a:masterClrMapping/>
+  </p:clrMapOvr>
+</p:sld>
+</file>
+
+<file path=ppt/slides/slide17.xml><?xml version="1.0" encoding="utf-8"?>
+<p:sld xmlns:a="http://schemas.openxmlformats.org/drawingml/2006/main" xmlns:r="http://schemas.openxmlformats.org/officeDocument/2006/relationships" xmlns:p="http://schemas.openxmlformats.org/presentationml/2006/main">
+  <p:cSld>
+    <p:spTree>
+      <p:nvGrpSpPr>
+        <p:cNvPr id="1" name=""/>
+        <p:cNvGrpSpPr/>
+        <p:nvPr/>
+      </p:nvGrpSpPr>
+      <p:grpSpPr>
+        <a:xfrm>
+          <a:off x="0" y="0"/>
+          <a:ext cx="0" cy="0"/>
+          <a:chOff x="0" y="0"/>
+          <a:chExt cx="0" cy="0"/>
+        </a:xfrm>
+      </p:grpSpPr>
+      <p:sp>
+        <p:nvSpPr>
+          <p:cNvPr id="2" name="제목 1"/>
+          <p:cNvSpPr>
+            <a:spLocks noGrp="1"/>
+          </p:cNvSpPr>
+          <p:nvPr>
+            <p:ph type="title"/>
+          </p:nvPr>
+        </p:nvSpPr>
+        <p:spPr/>
+        <p:txBody>
+          <a:bodyPr/>
+          <a:lstStyle/>
+          <a:p>
+            <a:r>
+              <a:rPr lang="ko-KR" altLang="en-US" dirty="0" smtClean="0"/>
+              <a:t>메인</a:t>
+            </a:r>
+            <a:endParaRPr lang="ko-KR" altLang="en-US" dirty="0"/>
+          </a:p>
+        </p:txBody>
+      </p:sp>
+      <p:pic>
+        <p:nvPicPr>
+          <p:cNvPr id="10242" name="Picture 2"/>
+          <p:cNvPicPr>
+            <a:picLocks noGrp="1" noChangeAspect="1" noChangeArrowheads="1"/>
+          </p:cNvPicPr>
+          <p:nvPr>
+            <p:ph idx="1"/>
+          </p:nvPr>
+        </p:nvPicPr>
+        <p:blipFill>
+          <a:blip r:embed="rId2"/>
+          <a:srcRect/>
+          <a:stretch>
+            <a:fillRect/>
+          </a:stretch>
+        </p:blipFill>
+        <p:spPr bwMode="auto">
+          <a:xfrm>
+            <a:off x="1285852" y="2786058"/>
+            <a:ext cx="7374565" cy="1743079"/>
+          </a:xfrm>
+          <a:prstGeom prst="rect">
+            <a:avLst/>
+          </a:prstGeom>
+          <a:noFill/>
+          <a:ln w="9525">
+            <a:noFill/>
+            <a:miter lim="800000"/>
+            <a:headEnd/>
+            <a:tailEnd/>
+          </a:ln>
+          <a:effectLst/>
+        </p:spPr>
+      </p:pic>
+    </p:spTree>
+  </p:cSld>
+  <p:clrMapOvr>
+    <a:masterClrMapping/>
+  </p:clrMapOvr>
+</p:sld>
+</file>
+
+<file path=ppt/slides/slide18.xml><?xml version="1.0" encoding="utf-8"?>
+<p:sld xmlns:a="http://schemas.openxmlformats.org/drawingml/2006/main" xmlns:r="http://schemas.openxmlformats.org/officeDocument/2006/relationships" xmlns:p="http://schemas.openxmlformats.org/presentationml/2006/main">
+  <p:cSld>
+    <p:spTree>
+      <p:nvGrpSpPr>
+        <p:cNvPr id="1" name=""/>
+        <p:cNvGrpSpPr/>
+        <p:nvPr/>
+      </p:nvGrpSpPr>
+      <p:grpSpPr>
+        <a:xfrm>
+          <a:off x="0" y="0"/>
+          <a:ext cx="0" cy="0"/>
+          <a:chOff x="0" y="0"/>
+          <a:chExt cx="0" cy="0"/>
+        </a:xfrm>
+      </p:grpSpPr>
+      <p:sp>
+        <p:nvSpPr>
+          <p:cNvPr id="2" name="제목 1"/>
+          <p:cNvSpPr>
+            <a:spLocks noGrp="1"/>
+          </p:cNvSpPr>
+          <p:nvPr>
+            <p:ph type="title"/>
+          </p:nvPr>
+        </p:nvSpPr>
+        <p:spPr/>
+        <p:txBody>
+          <a:bodyPr/>
+          <a:lstStyle/>
+          <a:p>
+            <a:r>
+              <a:rPr lang="ko-KR" altLang="en-US" dirty="0" smtClean="0"/>
+              <a:t>공통점</a:t>
+            </a:r>
+            <a:endParaRPr lang="ko-KR" altLang="en-US" dirty="0"/>
+          </a:p>
+        </p:txBody>
+      </p:sp>
+      <p:pic>
+        <p:nvPicPr>
+          <p:cNvPr id="3074" name="Picture 2"/>
+          <p:cNvPicPr>
+            <a:picLocks noGrp="1" noChangeAspect="1" noChangeArrowheads="1"/>
+          </p:cNvPicPr>
+          <p:nvPr>
+            <p:ph idx="1"/>
+          </p:nvPr>
+        </p:nvPicPr>
+        <p:blipFill>
+          <a:blip r:embed="rId2"/>
+          <a:srcRect/>
+          <a:stretch>
+            <a:fillRect/>
+          </a:stretch>
+        </p:blipFill>
+        <p:spPr bwMode="auto">
+          <a:xfrm>
+            <a:off x="1435100" y="2611843"/>
+            <a:ext cx="7499350" cy="2472513"/>
+          </a:xfrm>
+          <a:prstGeom prst="rect">
+            <a:avLst/>
+          </a:prstGeom>
+          <a:noFill/>
+          <a:ln w="9525">
+            <a:noFill/>
+            <a:miter lim="800000"/>
+            <a:headEnd/>
+            <a:tailEnd/>
+          </a:ln>
+          <a:effectLst/>
+        </p:spPr>
+      </p:pic>
+    </p:spTree>
+  </p:cSld>
+  <p:clrMapOvr>
+    <a:masterClrMapping/>
+  </p:clrMapOvr>
+</p:sld>
+</file>
+
+<file path=ppt/slides/slide19.xml><?xml version="1.0" encoding="utf-8"?>
+<p:sld xmlns:a="http://schemas.openxmlformats.org/drawingml/2006/main" xmlns:r="http://schemas.openxmlformats.org/officeDocument/2006/relationships" xmlns:p="http://schemas.openxmlformats.org/presentationml/2006/main">
+  <p:cSld>
+    <p:spTree>
+      <p:nvGrpSpPr>
+        <p:cNvPr id="1" name=""/>
+        <p:cNvGrpSpPr/>
+        <p:nvPr/>
+      </p:nvGrpSpPr>
+      <p:grpSpPr>
+        <a:xfrm>
+          <a:off x="0" y="0"/>
+          <a:ext cx="0" cy="0"/>
+          <a:chOff x="0" y="0"/>
+          <a:chExt cx="0" cy="0"/>
+        </a:xfrm>
+      </p:grpSpPr>
+      <p:sp>
+        <p:nvSpPr>
+          <p:cNvPr id="2" name="제목 1"/>
+          <p:cNvSpPr>
+            <a:spLocks noGrp="1"/>
+          </p:cNvSpPr>
+          <p:nvPr>
+            <p:ph type="title"/>
+          </p:nvPr>
+        </p:nvSpPr>
+        <p:spPr/>
+        <p:txBody>
+          <a:bodyPr/>
+          <a:lstStyle/>
+          <a:p>
+            <a:r>
+              <a:rPr lang="ko-KR" altLang="en-US" dirty="0" smtClean="0"/>
+              <a:t>차이점</a:t>
+            </a:r>
+            <a:endParaRPr lang="ko-KR" altLang="en-US" dirty="0"/>
+          </a:p>
+        </p:txBody>
+      </p:sp>
+      <p:pic>
+        <p:nvPicPr>
+          <p:cNvPr id="2050" name="Picture 2"/>
+          <p:cNvPicPr>
+            <a:picLocks noGrp="1" noChangeAspect="1" noChangeArrowheads="1"/>
+          </p:cNvPicPr>
+          <p:nvPr>
+            <p:ph idx="1"/>
+          </p:nvPr>
+        </p:nvPicPr>
+        <p:blipFill>
+          <a:blip r:embed="rId2"/>
+          <a:srcRect/>
+          <a:stretch>
+            <a:fillRect/>
+          </a:stretch>
+        </p:blipFill>
+        <p:spPr bwMode="auto">
+          <a:xfrm>
+            <a:off x="1428728" y="1714488"/>
+            <a:ext cx="7499350" cy="3679456"/>
+          </a:xfrm>
+          <a:prstGeom prst="rect">
+            <a:avLst/>
+          </a:prstGeom>
+          <a:noFill/>
+          <a:ln w="9525">
+            <a:noFill/>
+            <a:miter lim="800000"/>
+            <a:headEnd/>
+            <a:tailEnd/>
+          </a:ln>
+          <a:effectLst/>
+        </p:spPr>
+      </p:pic>
+    </p:spTree>
+  </p:cSld>
+  <p:clrMapOvr>
+    <a:masterClrMapping/>
+  </p:clrMapOvr>
+</p:sld>
+</file>
+
 <file path=ppt/slides/slide2.xml><?xml version="1.0" encoding="utf-8"?>
 <p:sld xmlns:a="http://schemas.openxmlformats.org/drawingml/2006/main" xmlns:r="http://schemas.openxmlformats.org/officeDocument/2006/relationships" xmlns:p="http://schemas.openxmlformats.org/presentationml/2006/main">
   <p:cSld>
@@ -4605,6 +5887,91 @@
           </a:p>
         </p:txBody>
       </p:sp>
+    </p:spTree>
+  </p:cSld>
+  <p:clrMapOvr>
+    <a:masterClrMapping/>
+  </p:clrMapOvr>
+</p:sld>
+</file>
+
+<file path=ppt/slides/slide20.xml><?xml version="1.0" encoding="utf-8"?>
+<p:sld xmlns:a="http://schemas.openxmlformats.org/drawingml/2006/main" xmlns:r="http://schemas.openxmlformats.org/officeDocument/2006/relationships" xmlns:p="http://schemas.openxmlformats.org/presentationml/2006/main">
+  <p:cSld>
+    <p:spTree>
+      <p:nvGrpSpPr>
+        <p:cNvPr id="1" name=""/>
+        <p:cNvGrpSpPr/>
+        <p:nvPr/>
+      </p:nvGrpSpPr>
+      <p:grpSpPr>
+        <a:xfrm>
+          <a:off x="0" y="0"/>
+          <a:ext cx="0" cy="0"/>
+          <a:chOff x="0" y="0"/>
+          <a:chExt cx="0" cy="0"/>
+        </a:xfrm>
+      </p:grpSpPr>
+      <p:sp>
+        <p:nvSpPr>
+          <p:cNvPr id="2" name="제목 1"/>
+          <p:cNvSpPr>
+            <a:spLocks noGrp="1"/>
+          </p:cNvSpPr>
+          <p:nvPr>
+            <p:ph type="title"/>
+          </p:nvPr>
+        </p:nvSpPr>
+        <p:spPr/>
+        <p:txBody>
+          <a:bodyPr>
+            <a:normAutofit/>
+          </a:bodyPr>
+          <a:lstStyle/>
+          <a:p>
+            <a:r>
+              <a:rPr lang="ko-KR" altLang="en-US" dirty="0" smtClean="0"/>
+              <a:t>클래스 다이어그램</a:t>
+            </a:r>
+            <a:endParaRPr lang="ko-KR" altLang="en-US" dirty="0"/>
+          </a:p>
+        </p:txBody>
+      </p:sp>
+      <p:pic>
+        <p:nvPicPr>
+          <p:cNvPr id="1026" name="Picture 2"/>
+          <p:cNvPicPr>
+            <a:picLocks noGrp="1" noChangeAspect="1" noChangeArrowheads="1"/>
+          </p:cNvPicPr>
+          <p:nvPr>
+            <p:ph idx="1"/>
+          </p:nvPr>
+        </p:nvPicPr>
+        <p:blipFill>
+          <a:blip r:embed="rId2"/>
+          <a:srcRect/>
+          <a:stretch>
+            <a:fillRect/>
+          </a:stretch>
+        </p:blipFill>
+        <p:spPr bwMode="auto">
+          <a:xfrm>
+            <a:off x="2660459" y="1447800"/>
+            <a:ext cx="5048631" cy="4800600"/>
+          </a:xfrm>
+          <a:prstGeom prst="rect">
+            <a:avLst/>
+          </a:prstGeom>
+          <a:noFill/>
+          <a:ln w="9525">
+            <a:noFill/>
+            <a:miter lim="800000"/>
+            <a:headEnd/>
+            <a:tailEnd/>
+          </a:ln>
+          <a:effectLst/>
+        </p:spPr>
+      </p:pic>
     </p:spTree>
   </p:cSld>
   <p:clrMapOvr>
@@ -5409,6 +6776,81 @@
               <a:latin typeface="HY견고딕" pitchFamily="18" charset="-127"/>
               <a:ea typeface="HY견고딕" pitchFamily="18" charset="-127"/>
             </a:endParaRPr>
+          </a:p>
+        </p:txBody>
+      </p:sp>
+    </p:spTree>
+  </p:cSld>
+  <p:clrMapOvr>
+    <a:masterClrMapping/>
+  </p:clrMapOvr>
+</p:sld>
+</file>
+
+<file path=ppt/slides/slide9.xml><?xml version="1.0" encoding="utf-8"?>
+<p:sld xmlns:a="http://schemas.openxmlformats.org/drawingml/2006/main" xmlns:r="http://schemas.openxmlformats.org/officeDocument/2006/relationships" xmlns:p="http://schemas.openxmlformats.org/presentationml/2006/main">
+  <p:cSld>
+    <p:spTree>
+      <p:nvGrpSpPr>
+        <p:cNvPr id="1" name=""/>
+        <p:cNvGrpSpPr/>
+        <p:nvPr/>
+      </p:nvGrpSpPr>
+      <p:grpSpPr>
+        <a:xfrm>
+          <a:off x="0" y="0"/>
+          <a:ext cx="0" cy="0"/>
+          <a:chOff x="0" y="0"/>
+          <a:chExt cx="0" cy="0"/>
+        </a:xfrm>
+      </p:grpSpPr>
+      <p:sp>
+        <p:nvSpPr>
+          <p:cNvPr id="2" name="제목 1"/>
+          <p:cNvSpPr>
+            <a:spLocks noGrp="1"/>
+          </p:cNvSpPr>
+          <p:nvPr>
+            <p:ph type="title"/>
+          </p:nvPr>
+        </p:nvSpPr>
+        <p:spPr/>
+        <p:txBody>
+          <a:bodyPr/>
+          <a:lstStyle/>
+          <a:p>
+            <a:r>
+              <a:rPr lang="ko-KR" altLang="en-US" dirty="0" smtClean="0"/>
+              <a:t>추상 </a:t>
+            </a:r>
+            <a:r>
+              <a:rPr lang="ko-KR" altLang="en-US" dirty="0" err="1" smtClean="0"/>
+              <a:t>팩토리</a:t>
+            </a:r>
+            <a:r>
+              <a:rPr lang="ko-KR" altLang="en-US" dirty="0" smtClean="0"/>
+              <a:t> 패턴</a:t>
+            </a:r>
+            <a:endParaRPr lang="ko-KR" altLang="en-US" dirty="0"/>
+          </a:p>
+        </p:txBody>
+      </p:sp>
+      <p:sp>
+        <p:nvSpPr>
+          <p:cNvPr id="3" name="내용 개체 틀 2"/>
+          <p:cNvSpPr>
+            <a:spLocks noGrp="1"/>
+          </p:cNvSpPr>
+          <p:nvPr>
+            <p:ph idx="1"/>
+          </p:nvPr>
+        </p:nvSpPr>
+        <p:spPr/>
+        <p:txBody>
+          <a:bodyPr/>
+          <a:lstStyle/>
+          <a:p>
+            <a:endParaRPr lang="ko-KR" altLang="en-US" dirty="0"/>
           </a:p>
         </p:txBody>
       </p:sp>
